--- a/nuevo/diapositiva_policomerce.pptx
+++ b/nuevo/diapositiva_policomerce.pptx
@@ -8,11 +8,11 @@
   <p:sldIdLst>
     <p:sldId id="256" r:id="rId3"/>
     <p:sldId id="259" r:id="rId4"/>
-    <p:sldId id="268" r:id="rId5"/>
-    <p:sldId id="258" r:id="rId6"/>
-    <p:sldId id="260" r:id="rId7"/>
-    <p:sldId id="261" r:id="rId8"/>
-    <p:sldId id="269" r:id="rId9"/>
+    <p:sldId id="269" r:id="rId5"/>
+    <p:sldId id="268" r:id="rId6"/>
+    <p:sldId id="258" r:id="rId7"/>
+    <p:sldId id="260" r:id="rId8"/>
+    <p:sldId id="261" r:id="rId9"/>
     <p:sldId id="266" r:id="rId10"/>
     <p:sldId id="264" r:id="rId11"/>
     <p:sldId id="267" r:id="rId12"/>
@@ -3453,7 +3453,7 @@
                 </a:solidFill>
                 <a:latin typeface="Calibri"/>
               </a:rPr>
-              <a:t>4/24/2020</a:t>
+              <a:t>4/26/2020</a:t>
             </a:fld>
             <a:endParaRPr lang="en-US" sz="900" b="0" strike="noStrike" spc="-1">
               <a:latin typeface="Times New Roman"/>
@@ -4434,7 +4434,7 @@
                 </a:solidFill>
                 <a:latin typeface="Calibri"/>
               </a:rPr>
-              <a:t>4/24/2020</a:t>
+              <a:t>4/26/2020</a:t>
             </a:fld>
             <a:endParaRPr lang="en-US" sz="900" b="0" strike="noStrike" spc="-1">
               <a:latin typeface="Times New Roman"/>
@@ -4856,7 +4856,7 @@
         </p:spPr>
         <p:txBody>
           <a:bodyPr anchor="b">
-            <a:normAutofit fontScale="89500" lnSpcReduction="20000"/>
+            <a:normAutofit fontScale="97000"/>
           </a:bodyPr>
           <a:lstStyle/>
           <a:p>
@@ -4930,53 +4930,6 @@
             <a:br>
               <a:rPr dirty="0"/>
             </a:br>
-            <a:br>
-              <a:rPr dirty="0"/>
-            </a:br>
-            <a:r>
-              <a:rPr lang="en-US" sz="2000" b="1" strike="noStrike" spc="-52" dirty="0">
-                <a:solidFill>
-                  <a:srgbClr val="262626"/>
-                </a:solidFill>
-                <a:latin typeface="Arial Narrow"/>
-              </a:rPr>
-              <a:t>Catedrático:</a:t>
-            </a:r>
-          </a:p>
-          <a:p>
-            <a:pPr algn="ctr">
-              <a:lnSpc>
-                <a:spcPct val="85000"/>
-              </a:lnSpc>
-            </a:pPr>
-            <a:br>
-              <a:rPr dirty="0"/>
-            </a:br>
-            <a:r>
-              <a:rPr lang="en-US" sz="2000" b="1" strike="noStrike" spc="-52" dirty="0">
-                <a:solidFill>
-                  <a:srgbClr val="262626"/>
-                </a:solidFill>
-                <a:latin typeface="Arial Narrow"/>
-              </a:rPr>
-              <a:t> </a:t>
-            </a:r>
-            <a:r>
-              <a:rPr lang="en-US" sz="2000" b="0" strike="noStrike" spc="-52" dirty="0">
-                <a:solidFill>
-                  <a:srgbClr val="262626"/>
-                </a:solidFill>
-                <a:latin typeface="Arial Narrow"/>
-              </a:rPr>
-              <a:t>Ing. Edgar Peñate</a:t>
-            </a:r>
-          </a:p>
-          <a:p>
-            <a:pPr algn="ctr">
-              <a:lnSpc>
-                <a:spcPct val="85000"/>
-              </a:lnSpc>
-            </a:pPr>
             <a:endParaRPr lang="en-US" sz="2000" b="0" strike="noStrike" spc="-1" dirty="0">
               <a:solidFill>
                 <a:srgbClr val="000000"/>
@@ -5680,7 +5633,7 @@
           <p:cNvPr id="3" name="Subtítulo 2">
             <a:extLst>
               <a:ext uri="{FF2B5EF4-FFF2-40B4-BE49-F238E27FC236}">
-                <a16:creationId xmlns:a16="http://schemas.microsoft.com/office/drawing/2014/main" id="{ED5BECB8-40B1-47FE-B90D-BBB8EBD456E0}"/>
+                <a16:creationId xmlns:a16="http://schemas.microsoft.com/office/drawing/2014/main" id="{94735A5C-5538-4D71-92A6-E798A0B527F1}"/>
               </a:ext>
             </a:extLst>
           </p:cNvPr>
@@ -5693,133 +5646,106 @@
         </p:nvSpPr>
         <p:spPr>
           <a:xfrm>
-            <a:off x="1241776" y="2085115"/>
-            <a:ext cx="9518431" cy="3748719"/>
+            <a:off x="1097280" y="1980954"/>
+            <a:ext cx="10058040" cy="4696670"/>
           </a:xfrm>
         </p:spPr>
         <p:txBody>
           <a:bodyPr/>
           <a:lstStyle/>
           <a:p>
-            <a:pPr marL="285750" lvl="0" indent="-285750" algn="just">
+            <a:pPr marL="0" indent="0" algn="just">
               <a:lnSpc>
                 <a:spcPct val="150000"/>
               </a:lnSpc>
-              <a:buFont typeface="Wingdings" panose="05000000000000000000" pitchFamily="2" charset="2"/>
-              <a:buChar char="Ø"/>
+              <a:buNone/>
             </a:pPr>
             <a:r>
-              <a:rPr lang="es-419" sz="1700" dirty="0">
-                <a:latin typeface="+mn-lt"/>
-              </a:rPr>
-              <a:t>Se pretende que, al finalizar el proyecto, la empresa cuente con módulos los cuales le sirvan a esta para poder desarrollar controles y gestiones más agiles y eficientes a la hora de llevar a cabo gestiones de los productos con los que cuentan.</a:t>
+              <a:rPr lang="es-419" sz="1700" dirty="0"/>
+              <a:t>El presente de la era tecnológica es una realidad, es por eso que las empresas se ven en el desafío de tener que agilizar procesos, manejar información de manera precisa y rápida, es por eso que se propone desarrollar un sistema el cual utilice las nuevas tendencias para agilizar todo aquello que lleve tiempos innecesarios o procesos difíciles. </a:t>
             </a:r>
-            <a:endParaRPr lang="es-SV" sz="1700" dirty="0">
-              <a:latin typeface="+mn-lt"/>
-            </a:endParaRPr>
-          </a:p>
-          <a:p>
-            <a:pPr marL="285750" lvl="0" indent="-285750" algn="just">
+            <a:endParaRPr lang="es-SV" sz="1700" dirty="0"/>
+          </a:p>
+          <a:p>
+            <a:pPr marL="0" indent="0" algn="just">
               <a:lnSpc>
                 <a:spcPct val="150000"/>
               </a:lnSpc>
-              <a:buFont typeface="Wingdings" panose="05000000000000000000" pitchFamily="2" charset="2"/>
-              <a:buChar char="Ø"/>
+              <a:buNone/>
             </a:pPr>
             <a:r>
-              <a:rPr lang="es-419" sz="1700" dirty="0">
-                <a:latin typeface="+mn-lt"/>
-              </a:rPr>
-              <a:t>Se realizará una modificación e implementación de una base de datos, la cual se modificará y actualizará para contar con estándares más recientes y poder ayudar a la empresa a mantenerse en competencia con la demanda actual.</a:t>
+              <a:rPr lang="es-419" sz="1700" dirty="0"/>
+              <a:t>Es así como se propone construir un sistema el cual lleve a cabo procesos engorrosos los cuales las personas están más que cansados de realizar de manera presencial, la cual a veces se vuelve un poco difícil por la disponibilidad de tiempo de estas. </a:t>
             </a:r>
-            <a:endParaRPr lang="es-SV" sz="1700" dirty="0">
-              <a:latin typeface="+mn-lt"/>
-            </a:endParaRPr>
-          </a:p>
-          <a:p>
-            <a:pPr marL="285750" lvl="0" indent="-285750" algn="just">
+            <a:endParaRPr lang="es-SV" sz="1700" dirty="0"/>
+          </a:p>
+          <a:p>
+            <a:pPr marL="0" indent="0" algn="just">
               <a:lnSpc>
                 <a:spcPct val="150000"/>
               </a:lnSpc>
-              <a:buFont typeface="Wingdings" panose="05000000000000000000" pitchFamily="2" charset="2"/>
-              <a:buChar char="Ø"/>
+              <a:buNone/>
             </a:pPr>
             <a:r>
-              <a:rPr lang="es-419" sz="1700" dirty="0">
-                <a:latin typeface="+mn-lt"/>
-              </a:rPr>
-              <a:t>También se pretende entregar a esta empresa, interfaces con las cuales tanto ellos como los clientes estén en constante comunicación las cuales facilitan la adquisición de productos.</a:t>
+              <a:rPr lang="es-419" sz="1700" dirty="0"/>
+              <a:t>Entonces se puede decir que lo que se pretende realizar es, beneficiar a personas las cuales no disponen de tiempo para que puedan conocer y realizar transacciones de manera virtual y así poder desarrollar sus procesos de manera sencilla y ágil. </a:t>
             </a:r>
-            <a:endParaRPr lang="es-SV" sz="1700" dirty="0">
-              <a:latin typeface="+mn-lt"/>
-            </a:endParaRPr>
-          </a:p>
-          <a:p>
-            <a:pPr marL="0" indent="0">
-              <a:buNone/>
-            </a:pPr>
+            <a:endParaRPr lang="es-SV" sz="1700" dirty="0"/>
+          </a:p>
+          <a:p>
             <a:endParaRPr lang="es-SV" dirty="0"/>
           </a:p>
         </p:txBody>
       </p:sp>
       <p:sp>
         <p:nvSpPr>
-          <p:cNvPr id="4" name="TextShape 1">
+          <p:cNvPr id="2" name="Título 1">
             <a:extLst>
               <a:ext uri="{FF2B5EF4-FFF2-40B4-BE49-F238E27FC236}">
-                <a16:creationId xmlns:a16="http://schemas.microsoft.com/office/drawing/2014/main" id="{B2A448B9-819F-467C-A9D3-509AF0ED6933}"/>
+                <a16:creationId xmlns:a16="http://schemas.microsoft.com/office/drawing/2014/main" id="{743E18C7-2809-4EEA-99E4-49C8FCA51212}"/>
               </a:ext>
             </a:extLst>
           </p:cNvPr>
-          <p:cNvSpPr txBox="1"/>
-          <p:nvPr/>
-        </p:nvSpPr>
-        <p:spPr>
-          <a:xfrm>
-            <a:off x="1097280" y="286560"/>
-            <a:ext cx="10058040" cy="1450440"/>
-          </a:xfrm>
-          <a:prstGeom prst="rect">
-            <a:avLst/>
-          </a:prstGeom>
-          <a:noFill/>
-          <a:ln>
-            <a:noFill/>
-          </a:ln>
-        </p:spPr>
-        <p:txBody>
-          <a:bodyPr anchor="b">
-            <a:noAutofit/>
-          </a:bodyPr>
-          <a:lstStyle/>
-          <a:p>
-            <a:pPr>
-              <a:lnSpc>
-                <a:spcPct val="85000"/>
-              </a:lnSpc>
-            </a:pPr>
+          <p:cNvSpPr>
+            <a:spLocks noGrp="1"/>
+          </p:cNvSpPr>
+          <p:nvPr>
+            <p:ph type="title"/>
+          </p:nvPr>
+        </p:nvSpPr>
+        <p:spPr>
+          <a:xfrm>
+            <a:off x="1097280" y="1614310"/>
+            <a:ext cx="10058040" cy="122689"/>
+          </a:xfrm>
+        </p:spPr>
+        <p:txBody>
+          <a:bodyPr/>
+          <a:lstStyle/>
+          <a:p>
             <a:r>
-              <a:rPr lang="en-US" sz="4800" b="0" strike="noStrike" spc="-52" dirty="0">
+              <a:rPr lang="en-US" spc="-52" dirty="0">
                 <a:solidFill>
                   <a:schemeClr val="accent2"/>
                 </a:solidFill>
-                <a:latin typeface="+mj-lt"/>
               </a:rPr>
-              <a:t>Alcances</a:t>
+              <a:t>Justificacion</a:t>
             </a:r>
-            <a:endParaRPr lang="en-US" sz="4800" b="0" strike="noStrike" spc="-1" dirty="0">
-              <a:solidFill>
-                <a:schemeClr val="accent2"/>
-              </a:solidFill>
-              <a:latin typeface="+mj-lt"/>
-            </a:endParaRPr>
+            <a:br>
+              <a:rPr lang="en-US" spc="-1" dirty="0">
+                <a:solidFill>
+                  <a:schemeClr val="accent2"/>
+                </a:solidFill>
+              </a:rPr>
+            </a:br>
+            <a:endParaRPr lang="es-SV" dirty="0"/>
           </a:p>
         </p:txBody>
       </p:sp>
     </p:spTree>
     <p:extLst>
       <p:ext uri="{BB962C8B-B14F-4D97-AF65-F5344CB8AC3E}">
-        <p14:creationId xmlns:p14="http://schemas.microsoft.com/office/powerpoint/2010/main" val="1412986765"/>
+        <p14:creationId xmlns:p14="http://schemas.microsoft.com/office/powerpoint/2010/main" val="1583274661"/>
       </p:ext>
     </p:extLst>
   </p:cSld>
@@ -5848,7 +5774,100 @@
       </p:grpSpPr>
       <p:sp>
         <p:nvSpPr>
-          <p:cNvPr id="96" name="TextShape 1"/>
+          <p:cNvPr id="3" name="Subtítulo 2">
+            <a:extLst>
+              <a:ext uri="{FF2B5EF4-FFF2-40B4-BE49-F238E27FC236}">
+                <a16:creationId xmlns:a16="http://schemas.microsoft.com/office/drawing/2014/main" id="{ED5BECB8-40B1-47FE-B90D-BBB8EBD456E0}"/>
+              </a:ext>
+            </a:extLst>
+          </p:cNvPr>
+          <p:cNvSpPr>
+            <a:spLocks noGrp="1"/>
+          </p:cNvSpPr>
+          <p:nvPr>
+            <p:ph type="subTitle"/>
+          </p:nvPr>
+        </p:nvSpPr>
+        <p:spPr>
+          <a:xfrm>
+            <a:off x="1241776" y="2085115"/>
+            <a:ext cx="9518431" cy="3748719"/>
+          </a:xfrm>
+        </p:spPr>
+        <p:txBody>
+          <a:bodyPr/>
+          <a:lstStyle/>
+          <a:p>
+            <a:pPr marL="285750" lvl="0" indent="-285750" algn="just">
+              <a:lnSpc>
+                <a:spcPct val="150000"/>
+              </a:lnSpc>
+              <a:buFont typeface="Wingdings" panose="05000000000000000000" pitchFamily="2" charset="2"/>
+              <a:buChar char="Ø"/>
+            </a:pPr>
+            <a:r>
+              <a:rPr lang="es-419" sz="1700" dirty="0">
+                <a:latin typeface="+mn-lt"/>
+              </a:rPr>
+              <a:t>Se pretende que, al finalizar el proyecto, la empresa cuente con módulos los cuales le sirvan a esta para poder desarrollar controles y gestiones más agiles y eficientes a la hora de llevar a cabo gestiones de los productos con los que cuentan.</a:t>
+            </a:r>
+            <a:endParaRPr lang="es-SV" sz="1700" dirty="0">
+              <a:latin typeface="+mn-lt"/>
+            </a:endParaRPr>
+          </a:p>
+          <a:p>
+            <a:pPr marL="285750" lvl="0" indent="-285750" algn="just">
+              <a:lnSpc>
+                <a:spcPct val="150000"/>
+              </a:lnSpc>
+              <a:buFont typeface="Wingdings" panose="05000000000000000000" pitchFamily="2" charset="2"/>
+              <a:buChar char="Ø"/>
+            </a:pPr>
+            <a:r>
+              <a:rPr lang="es-419" sz="1700" dirty="0">
+                <a:latin typeface="+mn-lt"/>
+              </a:rPr>
+              <a:t>Se realizará una modificación e implementación de una base de datos, la cual se modificará y actualizará para contar con estándares más recientes y poder ayudar a la empresa a mantenerse en competencia con la demanda actual.</a:t>
+            </a:r>
+            <a:endParaRPr lang="es-SV" sz="1700" dirty="0">
+              <a:latin typeface="+mn-lt"/>
+            </a:endParaRPr>
+          </a:p>
+          <a:p>
+            <a:pPr marL="285750" lvl="0" indent="-285750" algn="just">
+              <a:lnSpc>
+                <a:spcPct val="150000"/>
+              </a:lnSpc>
+              <a:buFont typeface="Wingdings" panose="05000000000000000000" pitchFamily="2" charset="2"/>
+              <a:buChar char="Ø"/>
+            </a:pPr>
+            <a:r>
+              <a:rPr lang="es-419" sz="1700" dirty="0">
+                <a:latin typeface="+mn-lt"/>
+              </a:rPr>
+              <a:t>También se pretende entregar a esta empresa, interfaces con las cuales tanto ellos como los clientes estén en constante comunicación las cuales facilitan la adquisición de productos.</a:t>
+            </a:r>
+            <a:endParaRPr lang="es-SV" sz="1700" dirty="0">
+              <a:latin typeface="+mn-lt"/>
+            </a:endParaRPr>
+          </a:p>
+          <a:p>
+            <a:pPr marL="0" indent="0">
+              <a:buNone/>
+            </a:pPr>
+            <a:endParaRPr lang="es-SV" dirty="0"/>
+          </a:p>
+        </p:txBody>
+      </p:sp>
+      <p:sp>
+        <p:nvSpPr>
+          <p:cNvPr id="4" name="TextShape 1">
+            <a:extLst>
+              <a:ext uri="{FF2B5EF4-FFF2-40B4-BE49-F238E27FC236}">
+                <a16:creationId xmlns:a16="http://schemas.microsoft.com/office/drawing/2014/main" id="{B2A448B9-819F-467C-A9D3-509AF0ED6933}"/>
+              </a:ext>
+            </a:extLst>
+          </p:cNvPr>
           <p:cNvSpPr txBox="1"/>
           <p:nvPr/>
         </p:nvSpPr>
@@ -5883,7 +5902,7 @@
                 </a:solidFill>
                 <a:latin typeface="+mj-lt"/>
               </a:rPr>
-              <a:t>Definición del problema</a:t>
+              <a:t>Alcances</a:t>
             </a:r>
             <a:endParaRPr lang="en-US" sz="4800" b="0" strike="noStrike" spc="-1" dirty="0">
               <a:solidFill>
@@ -5894,84 +5913,16 @@
           </a:p>
         </p:txBody>
       </p:sp>
-      <p:sp>
-        <p:nvSpPr>
-          <p:cNvPr id="97" name="TextShape 2"/>
-          <p:cNvSpPr txBox="1"/>
-          <p:nvPr/>
-        </p:nvSpPr>
-        <p:spPr>
-          <a:xfrm>
-            <a:off x="1097280" y="1840374"/>
-            <a:ext cx="10058040" cy="2810648"/>
-          </a:xfrm>
-          <a:prstGeom prst="rect">
-            <a:avLst/>
-          </a:prstGeom>
-          <a:noFill/>
-          <a:ln>
-            <a:noFill/>
-          </a:ln>
-        </p:spPr>
-        <p:txBody>
-          <a:bodyPr lIns="0" rIns="0">
-            <a:normAutofit/>
-          </a:bodyPr>
-          <a:lstStyle/>
-          <a:p>
-            <a:pPr algn="just">
-              <a:lnSpc>
-                <a:spcPct val="150000"/>
-              </a:lnSpc>
-            </a:pPr>
-            <a:r>
-              <a:rPr lang="es-419" sz="1700" dirty="0"/>
-              <a:t>No se cuenta con un sistema de gestión y control que promocione sus servicios, por lo cual se les hace cada vez más difícil competir con empresas que utilizan sistemas o software de control de su inventario y ofrecen sus servicios en línea, se abordara no solo la problemática de crear un sistema que promocione sus artículos y servicios si no que a la misma vez ejecute la </a:t>
-            </a:r>
-            <a:r>
-              <a:rPr lang="es-419" sz="1700" b="1" dirty="0"/>
-              <a:t>interoperabilidad</a:t>
-            </a:r>
-            <a:r>
-              <a:rPr lang="es-419" sz="1700" dirty="0"/>
-              <a:t>, En este sentido nuestro proyecto se basa en darle una solución a su problema de control y gestión de sus productos y brindarles un sistema escalable con potencial para ellos expandirse.</a:t>
-            </a:r>
-            <a:endParaRPr lang="es-SV" sz="1700" dirty="0"/>
-          </a:p>
-        </p:txBody>
-      </p:sp>
     </p:spTree>
+    <p:extLst>
+      <p:ext uri="{BB962C8B-B14F-4D97-AF65-F5344CB8AC3E}">
+        <p14:creationId xmlns:p14="http://schemas.microsoft.com/office/powerpoint/2010/main" val="1412986765"/>
+      </p:ext>
+    </p:extLst>
   </p:cSld>
   <p:clrMapOvr>
     <a:masterClrMapping/>
   </p:clrMapOvr>
-  <p:timing>
-    <p:tnLst>
-      <p:par>
-        <p:cTn id="1" dur="indefinite" restart="never" nodeType="tmRoot">
-          <p:childTnLst>
-            <p:seq>
-              <p:cTn id="2" dur="indefinite" nodeType="mainSeq"/>
-              <p:prevCondLst>
-                <p:cond evt="onPrev" delay="0">
-                  <p:tgtEl>
-                    <p:sldTgt/>
-                  </p:tgtEl>
-                </p:cond>
-              </p:prevCondLst>
-              <p:nextCondLst>
-                <p:cond evt="onNext" delay="0">
-                  <p:tgtEl>
-                    <p:sldTgt/>
-                  </p:tgtEl>
-                </p:cond>
-              </p:nextCondLst>
-            </p:seq>
-          </p:childTnLst>
-        </p:cTn>
-      </p:par>
-    </p:tnLst>
-  </p:timing>
 </p:sld>
 </file>
 
@@ -5994,7 +5945,7 @@
       </p:grpSpPr>
       <p:sp>
         <p:nvSpPr>
-          <p:cNvPr id="100" name="TextShape 1"/>
+          <p:cNvPr id="96" name="TextShape 1"/>
           <p:cNvSpPr txBox="1"/>
           <p:nvPr/>
         </p:nvSpPr>
@@ -6027,27 +5978,29 @@
                 <a:solidFill>
                   <a:schemeClr val="accent2"/>
                 </a:solidFill>
+                <a:latin typeface="+mj-lt"/>
               </a:rPr>
-              <a:t>Propuesta de solucion</a:t>
+              <a:t>Definición del problema</a:t>
             </a:r>
             <a:endParaRPr lang="en-US" sz="4800" b="0" strike="noStrike" spc="-1" dirty="0">
               <a:solidFill>
                 <a:schemeClr val="accent2"/>
               </a:solidFill>
-            </a:endParaRPr>
-          </a:p>
-        </p:txBody>
-      </p:sp>
-      <p:sp>
-        <p:nvSpPr>
-          <p:cNvPr id="101" name="TextShape 2"/>
+              <a:latin typeface="+mj-lt"/>
+            </a:endParaRPr>
+          </a:p>
+        </p:txBody>
+      </p:sp>
+      <p:sp>
+        <p:nvSpPr>
+          <p:cNvPr id="97" name="TextShape 2"/>
           <p:cNvSpPr txBox="1"/>
           <p:nvPr/>
         </p:nvSpPr>
         <p:spPr>
           <a:xfrm>
-            <a:off x="1097280" y="1845720"/>
-            <a:ext cx="10058040" cy="4171258"/>
+            <a:off x="1097280" y="1840374"/>
+            <a:ext cx="10058040" cy="2810648"/>
           </a:xfrm>
           <a:prstGeom prst="rect">
             <a:avLst/>
@@ -6059,7 +6012,7 @@
         </p:spPr>
         <p:txBody>
           <a:bodyPr lIns="0" rIns="0">
-            <a:normAutofit fontScale="92500"/>
+            <a:normAutofit/>
           </a:bodyPr>
           <a:lstStyle/>
           <a:p>
@@ -6069,46 +6022,18 @@
               </a:lnSpc>
             </a:pPr>
             <a:r>
-              <a:rPr lang="es-419" dirty="0"/>
-              <a:t>Se propone desarrollar un sistema el cual se vea envuelto en las nuevas tendencias para la solución de los problemas o simplemente agilizar todo aquello que tome tiempos innecesarios o procesos obsoletos. </a:t>
+              <a:rPr lang="es-419" sz="1700" dirty="0"/>
+              <a:t>No se cuenta con un sistema de gestión y control que promocione sus servicios, por lo cual se les hace cada vez más difícil competir con empresas que utilizan sistemas o software de control de su inventario y ofrecen sus servicios en línea, se abordara no solo la problemática de crear un sistema que promocione sus artículos y servicios si no que a la misma vez ejecute la </a:t>
             </a:r>
-            <a:endParaRPr lang="es-SV" dirty="0"/>
-          </a:p>
-          <a:p>
-            <a:pPr algn="just">
-              <a:lnSpc>
-                <a:spcPct val="150000"/>
-              </a:lnSpc>
-            </a:pPr>
             <a:r>
-              <a:rPr lang="es-419" dirty="0"/>
-              <a:t>Teniendo en cuenta lo anterior se puede decir que la tecnología es algo necesario que se necesita para resolver muchos de los problemas que surgen. </a:t>
+              <a:rPr lang="es-419" sz="1700" b="1" dirty="0"/>
+              <a:t>interoperabilidad</a:t>
             </a:r>
-            <a:endParaRPr lang="es-SV" dirty="0"/>
-          </a:p>
-          <a:p>
-            <a:pPr algn="just">
-              <a:lnSpc>
-                <a:spcPct val="150000"/>
-              </a:lnSpc>
-            </a:pPr>
             <a:r>
-              <a:rPr lang="es-419" dirty="0"/>
-              <a:t>Es así como se propone construir un sistema el cual lleve a las personas que están más que cansadas de realizar de manera presencial, la cual a veces se vuelve un poco difícil por la disponibilidad de tiempo para realizar estas. </a:t>
+              <a:rPr lang="es-419" sz="1700" dirty="0"/>
+              <a:t>, En este sentido nuestro proyecto se basa en darle una solución a su problema de control y gestión de sus productos y brindarles un sistema escalable con potencial para ellos expandirse.</a:t>
             </a:r>
-            <a:endParaRPr lang="es-SV" dirty="0"/>
-          </a:p>
-          <a:p>
-            <a:pPr algn="just">
-              <a:lnSpc>
-                <a:spcPct val="150000"/>
-              </a:lnSpc>
-            </a:pPr>
-            <a:r>
-              <a:rPr lang="es-419" dirty="0"/>
-              <a:t>Entonces se puede decir que lo que se pretende realizar es, beneficiar a todas aquellas personas las cuales no disponen de ese tiempo para que puedan conocer y realizar transacciones de manera virtual para así poder desarrollar sus procesos sin contratiempos ni procesos que llevan demasiado trabajo. </a:t>
-            </a:r>
-            <a:endParaRPr lang="es-SV" dirty="0"/>
+            <a:endParaRPr lang="es-SV" sz="1700" dirty="0"/>
           </a:p>
         </p:txBody>
       </p:sp>
@@ -6166,14 +6091,14 @@
       </p:grpSpPr>
       <p:sp>
         <p:nvSpPr>
-          <p:cNvPr id="102" name="TextShape 1"/>
+          <p:cNvPr id="100" name="TextShape 1"/>
           <p:cNvSpPr txBox="1"/>
           <p:nvPr/>
         </p:nvSpPr>
         <p:spPr>
           <a:xfrm>
-            <a:off x="1072444" y="633412"/>
-            <a:ext cx="10082876" cy="1103587"/>
+            <a:off x="1097280" y="286560"/>
+            <a:ext cx="10058040" cy="1450440"/>
           </a:xfrm>
           <a:prstGeom prst="rect">
             <a:avLst/>
@@ -6200,7 +6125,7 @@
                   <a:schemeClr val="accent2"/>
                 </a:solidFill>
               </a:rPr>
-              <a:t>Diseño de la propuesta</a:t>
+              <a:t>Propuesta de solucion</a:t>
             </a:r>
             <a:endParaRPr lang="en-US" sz="4800" b="0" strike="noStrike" spc="-1" dirty="0">
               <a:solidFill>
@@ -6210,36 +6135,80 @@
           </a:p>
         </p:txBody>
       </p:sp>
-      <p:pic>
-        <p:nvPicPr>
-          <p:cNvPr id="4" name="Imagen 3">
-            <a:extLst>
-              <a:ext uri="{FF2B5EF4-FFF2-40B4-BE49-F238E27FC236}">
-                <a16:creationId xmlns:a16="http://schemas.microsoft.com/office/drawing/2014/main" id="{A861763A-04B8-4677-9F89-7EED7DE0636D}"/>
-              </a:ext>
-            </a:extLst>
-          </p:cNvPr>
-          <p:cNvPicPr>
-            <a:picLocks noChangeAspect="1"/>
-          </p:cNvPicPr>
+      <p:sp>
+        <p:nvSpPr>
+          <p:cNvPr id="101" name="TextShape 2"/>
+          <p:cNvSpPr txBox="1"/>
           <p:nvPr/>
-        </p:nvPicPr>
-        <p:blipFill>
-          <a:blip r:embed="rId2"/>
-          <a:stretch>
-            <a:fillRect/>
-          </a:stretch>
-        </p:blipFill>
-        <p:spPr>
-          <a:xfrm>
-            <a:off x="1054562" y="1973968"/>
-            <a:ext cx="10082876" cy="3990975"/>
-          </a:xfrm>
-          <a:prstGeom prst="rect">
-            <a:avLst/>
-          </a:prstGeom>
-        </p:spPr>
-      </p:pic>
+        </p:nvSpPr>
+        <p:spPr>
+          <a:xfrm>
+            <a:off x="1097280" y="1845720"/>
+            <a:ext cx="10058040" cy="4171258"/>
+          </a:xfrm>
+          <a:prstGeom prst="rect">
+            <a:avLst/>
+          </a:prstGeom>
+          <a:noFill/>
+          <a:ln>
+            <a:noFill/>
+          </a:ln>
+        </p:spPr>
+        <p:txBody>
+          <a:bodyPr lIns="0" rIns="0">
+            <a:normAutofit fontScale="92500"/>
+          </a:bodyPr>
+          <a:lstStyle/>
+          <a:p>
+            <a:pPr algn="just">
+              <a:lnSpc>
+                <a:spcPct val="150000"/>
+              </a:lnSpc>
+            </a:pPr>
+            <a:r>
+              <a:rPr lang="es-419" dirty="0"/>
+              <a:t>Se propone desarrollar un sistema el cual se vea envuelto en las nuevas tendencias para la solución de los problemas o simplemente agilizar todo aquello que tome tiempos innecesarios o procesos obsoletos. </a:t>
+            </a:r>
+            <a:endParaRPr lang="es-SV" dirty="0"/>
+          </a:p>
+          <a:p>
+            <a:pPr algn="just">
+              <a:lnSpc>
+                <a:spcPct val="150000"/>
+              </a:lnSpc>
+            </a:pPr>
+            <a:r>
+              <a:rPr lang="es-419" dirty="0"/>
+              <a:t>Teniendo en cuenta lo anterior se puede decir que la tecnología es algo necesario que se necesita para resolver muchos de los problemas que surgen. </a:t>
+            </a:r>
+            <a:endParaRPr lang="es-SV" dirty="0"/>
+          </a:p>
+          <a:p>
+            <a:pPr algn="just">
+              <a:lnSpc>
+                <a:spcPct val="150000"/>
+              </a:lnSpc>
+            </a:pPr>
+            <a:r>
+              <a:rPr lang="es-419" dirty="0"/>
+              <a:t>Es así como se propone construir un sistema el cual lleve a las personas que están más que cansadas de realizar de manera presencial, la cual a veces se vuelve un poco difícil por la disponibilidad de tiempo para realizar estas. </a:t>
+            </a:r>
+            <a:endParaRPr lang="es-SV" dirty="0"/>
+          </a:p>
+          <a:p>
+            <a:pPr algn="just">
+              <a:lnSpc>
+                <a:spcPct val="150000"/>
+              </a:lnSpc>
+            </a:pPr>
+            <a:r>
+              <a:rPr lang="es-419" dirty="0"/>
+              <a:t>Entonces se puede decir que lo que se pretende realizar es, beneficiar a todas aquellas personas las cuales no disponen de ese tiempo para que puedan conocer y realizar transacciones de manera virtual para así poder desarrollar sus procesos sin contratiempos ni procesos que llevan demasiado trabajo. </a:t>
+            </a:r>
+            <a:endParaRPr lang="es-SV" dirty="0"/>
+          </a:p>
+        </p:txBody>
+      </p:sp>
     </p:spTree>
   </p:cSld>
   <p:clrMapOvr>
@@ -6294,55 +6263,56 @@
       </p:grpSpPr>
       <p:sp>
         <p:nvSpPr>
-          <p:cNvPr id="2" name="Título 1">
-            <a:extLst>
-              <a:ext uri="{FF2B5EF4-FFF2-40B4-BE49-F238E27FC236}">
-                <a16:creationId xmlns:a16="http://schemas.microsoft.com/office/drawing/2014/main" id="{743E18C7-2809-4EEA-99E4-49C8FCA51212}"/>
-              </a:ext>
-            </a:extLst>
-          </p:cNvPr>
-          <p:cNvSpPr>
-            <a:spLocks noGrp="1"/>
-          </p:cNvSpPr>
-          <p:nvPr>
-            <p:ph type="title"/>
-          </p:nvPr>
-        </p:nvSpPr>
-        <p:spPr>
-          <a:xfrm>
-            <a:off x="1097280" y="1575459"/>
-            <a:ext cx="10058040" cy="45719"/>
-          </a:xfrm>
-        </p:spPr>
-        <p:txBody>
-          <a:bodyPr/>
-          <a:lstStyle/>
-          <a:p>
+          <p:cNvPr id="102" name="TextShape 1"/>
+          <p:cNvSpPr txBox="1"/>
+          <p:nvPr/>
+        </p:nvSpPr>
+        <p:spPr>
+          <a:xfrm>
+            <a:off x="1072444" y="633412"/>
+            <a:ext cx="10082876" cy="1103587"/>
+          </a:xfrm>
+          <a:prstGeom prst="rect">
+            <a:avLst/>
+          </a:prstGeom>
+          <a:noFill/>
+          <a:ln>
+            <a:noFill/>
+          </a:ln>
+        </p:spPr>
+        <p:txBody>
+          <a:bodyPr anchor="b">
+            <a:noAutofit/>
+          </a:bodyPr>
+          <a:lstStyle/>
+          <a:p>
+            <a:pPr>
+              <a:lnSpc>
+                <a:spcPct val="85000"/>
+              </a:lnSpc>
+            </a:pPr>
             <a:r>
-              <a:rPr lang="en-US" spc="-52" dirty="0">
+              <a:rPr lang="en-US" sz="4800" b="0" strike="noStrike" spc="-52" dirty="0">
                 <a:solidFill>
                   <a:schemeClr val="accent2"/>
                 </a:solidFill>
               </a:rPr>
-              <a:t>Desarrollo de la solucion del problema</a:t>
+              <a:t>Diseño de la propuesta</a:t>
             </a:r>
-            <a:br>
-              <a:rPr lang="en-US" spc="-1" dirty="0">
-                <a:solidFill>
-                  <a:schemeClr val="accent2"/>
-                </a:solidFill>
-              </a:rPr>
-            </a:br>
-            <a:endParaRPr lang="es-SV" dirty="0"/>
+            <a:endParaRPr lang="en-US" sz="4800" b="0" strike="noStrike" spc="-1" dirty="0">
+              <a:solidFill>
+                <a:schemeClr val="accent2"/>
+              </a:solidFill>
+            </a:endParaRPr>
           </a:p>
         </p:txBody>
       </p:sp>
       <p:pic>
         <p:nvPicPr>
-          <p:cNvPr id="6" name="Imagen 5">
+          <p:cNvPr id="5" name="Imagen 4">
             <a:extLst>
               <a:ext uri="{FF2B5EF4-FFF2-40B4-BE49-F238E27FC236}">
-                <a16:creationId xmlns:a16="http://schemas.microsoft.com/office/drawing/2014/main" id="{658A76D4-2381-4944-81CD-C97334AE5096}"/>
+                <a16:creationId xmlns:a16="http://schemas.microsoft.com/office/drawing/2014/main" id="{18B3CC31-E4C8-41B4-B799-4C34210360FA}"/>
               </a:ext>
             </a:extLst>
           </p:cNvPr>
@@ -6368,15 +6338,37 @@
         </p:spPr>
       </p:pic>
     </p:spTree>
-    <p:extLst>
-      <p:ext uri="{BB962C8B-B14F-4D97-AF65-F5344CB8AC3E}">
-        <p14:creationId xmlns:p14="http://schemas.microsoft.com/office/powerpoint/2010/main" val="1583274661"/>
-      </p:ext>
-    </p:extLst>
   </p:cSld>
   <p:clrMapOvr>
     <a:masterClrMapping/>
   </p:clrMapOvr>
+  <p:timing>
+    <p:tnLst>
+      <p:par>
+        <p:cTn id="1" dur="indefinite" restart="never" nodeType="tmRoot">
+          <p:childTnLst>
+            <p:seq>
+              <p:cTn id="2" dur="indefinite" nodeType="mainSeq"/>
+              <p:prevCondLst>
+                <p:cond evt="onPrev" delay="0">
+                  <p:tgtEl>
+                    <p:sldTgt/>
+                  </p:tgtEl>
+                </p:cond>
+              </p:prevCondLst>
+              <p:nextCondLst>
+                <p:cond evt="onNext" delay="0">
+                  <p:tgtEl>
+                    <p:sldTgt/>
+                  </p:tgtEl>
+                </p:cond>
+              </p:nextCondLst>
+            </p:seq>
+          </p:childTnLst>
+        </p:cTn>
+      </p:par>
+    </p:tnLst>
+  </p:timing>
 </p:sld>
 </file>
 
@@ -6613,15 +6605,7 @@
             </a:pPr>
             <a:r>
               <a:rPr lang="es-419" sz="1700" dirty="0"/>
-              <a:t>Tener una base de datos capaz de almacenar, manejar y gestionar </a:t>
-            </a:r>
-            <a:r>
-              <a:rPr lang="es-419" sz="1700" dirty="0" err="1"/>
-              <a:t>informacion</a:t>
-            </a:r>
-            <a:r>
-              <a:rPr lang="es-419" sz="1700" dirty="0"/>
-              <a:t>, para así poder dar a sus clientes la mejor de las experiencias posibles.</a:t>
+              <a:t>Tener una base de datos capaz de almacenar, manejar y gestionar información, para así poder dar a sus clientes la mejor de las experiencias posibles.</a:t>
             </a:r>
             <a:endParaRPr lang="es-SV" sz="1700" dirty="0"/>
           </a:p>

--- a/nuevo/diapositiva_policomerce.pptx
+++ b/nuevo/diapositiva_policomerce.pptx
@@ -3453,7 +3453,7 @@
                 </a:solidFill>
                 <a:latin typeface="Calibri"/>
               </a:rPr>
-              <a:t>4/26/2020</a:t>
+              <a:t>4/28/2020</a:t>
             </a:fld>
             <a:endParaRPr lang="en-US" sz="900" b="0" strike="noStrike" spc="-1">
               <a:latin typeface="Times New Roman"/>
@@ -4434,7 +4434,7 @@
                 </a:solidFill>
                 <a:latin typeface="Calibri"/>
               </a:rPr>
-              <a:t>4/26/2020</a:t>
+              <a:t>4/28/2020</a:t>
             </a:fld>
             <a:endParaRPr lang="en-US" sz="900" b="0" strike="noStrike" spc="-1">
               <a:latin typeface="Times New Roman"/>
@@ -5999,7 +5999,7 @@
         </p:nvSpPr>
         <p:spPr>
           <a:xfrm>
-            <a:off x="1097280" y="1840374"/>
+            <a:off x="1097280" y="2023676"/>
             <a:ext cx="10058040" cy="2810648"/>
           </a:xfrm>
           <a:prstGeom prst="rect">
@@ -6143,7 +6143,7 @@
         </p:nvSpPr>
         <p:spPr>
           <a:xfrm>
-            <a:off x="1097280" y="1845720"/>
+            <a:off x="1097280" y="1936031"/>
             <a:ext cx="10058040" cy="4171258"/>
           </a:xfrm>
           <a:prstGeom prst="rect">
@@ -6422,14 +6422,16 @@
       </p:sp>
       <p:pic>
         <p:nvPicPr>
-          <p:cNvPr id="3" name="Imagen 2">
+          <p:cNvPr id="5" name="Imagen 4">
             <a:extLst>
               <a:ext uri="{FF2B5EF4-FFF2-40B4-BE49-F238E27FC236}">
-                <a16:creationId xmlns:a16="http://schemas.microsoft.com/office/drawing/2014/main" id="{8ACE168B-ED28-42FF-9D99-B94DF2E37C86}"/>
+                <a16:creationId xmlns:a16="http://schemas.microsoft.com/office/drawing/2014/main" id="{5663F4B0-1122-4B5C-9BAA-CA41F587398C}"/>
               </a:ext>
             </a:extLst>
           </p:cNvPr>
-          <p:cNvPicPr/>
+          <p:cNvPicPr>
+            <a:picLocks noChangeAspect="1"/>
+          </p:cNvPicPr>
           <p:nvPr/>
         </p:nvPicPr>
         <p:blipFill>
@@ -6446,8 +6448,8 @@
         </p:blipFill>
         <p:spPr>
           <a:xfrm>
-            <a:off x="1153724" y="1869440"/>
-            <a:ext cx="10058039" cy="4328160"/>
+            <a:off x="980236" y="1989034"/>
+            <a:ext cx="10231528" cy="3907362"/>
           </a:xfrm>
           <a:prstGeom prst="rect">
             <a:avLst/>

--- a/nuevo/diapositiva_policomerce.pptx
+++ b/nuevo/diapositiva_policomerce.pptx
@@ -3453,7 +3453,7 @@
                 </a:solidFill>
                 <a:latin typeface="Calibri"/>
               </a:rPr>
-              <a:t>4/28/2020</a:t>
+              <a:t>5/2/2020</a:t>
             </a:fld>
             <a:endParaRPr lang="en-US" sz="900" b="0" strike="noStrike" spc="-1">
               <a:latin typeface="Times New Roman"/>
@@ -3529,7 +3529,7 @@
                 </a:solidFill>
                 <a:latin typeface="Calibri"/>
               </a:rPr>
-              <a:t>‹Nº›</a:t>
+              <a:t>‹#›</a:t>
             </a:fld>
             <a:endParaRPr lang="en-US" sz="1050" b="0" strike="noStrike" spc="-1">
               <a:latin typeface="Times New Roman"/>
@@ -4434,7 +4434,7 @@
                 </a:solidFill>
                 <a:latin typeface="Calibri"/>
               </a:rPr>
-              <a:t>4/28/2020</a:t>
+              <a:t>5/2/2020</a:t>
             </a:fld>
             <a:endParaRPr lang="en-US" sz="900" b="0" strike="noStrike" spc="-1">
               <a:latin typeface="Times New Roman"/>
@@ -4510,7 +4510,7 @@
                 </a:solidFill>
                 <a:latin typeface="Calibri"/>
               </a:rPr>
-              <a:t>‹Nº›</a:t>
+              <a:t>‹#›</a:t>
             </a:fld>
             <a:endParaRPr lang="en-US" sz="1050" b="0" strike="noStrike" spc="-1">
               <a:latin typeface="Times New Roman"/>
@@ -4890,6 +4890,10 @@
               </a:rPr>
               <a:t> </a:t>
             </a:r>
+            <a:r>
+              <a:rPr dirty="0"/>
+              <a:t/>
+            </a:r>
             <a:br>
               <a:rPr dirty="0"/>
             </a:br>
@@ -4927,6 +4931,10 @@
                 <a:spcPct val="85000"/>
               </a:lnSpc>
             </a:pPr>
+            <a:r>
+              <a:rPr dirty="0"/>
+              <a:t/>
+            </a:r>
             <a:br>
               <a:rPr dirty="0"/>
             </a:br>
@@ -5226,14 +5234,15 @@
         </p:nvSpPr>
         <p:spPr>
           <a:xfrm>
-            <a:off x="1066980" y="1603021"/>
-            <a:ext cx="10058040" cy="67735"/>
+            <a:off x="1066980" y="999791"/>
+            <a:ext cx="10058040" cy="1274195"/>
           </a:xfrm>
         </p:spPr>
         <p:txBody>
           <a:bodyPr/>
           <a:lstStyle/>
           <a:p>
+            <a:pPr algn="ctr"/>
             <a:r>
               <a:rPr lang="en-US" sz="4800" spc="-52" dirty="0">
                 <a:solidFill>
@@ -5241,6 +5250,14 @@
                 </a:solidFill>
               </a:rPr>
               <a:t>Recomendaciones</a:t>
+            </a:r>
+            <a:r>
+              <a:rPr lang="en-US" spc="-1" dirty="0">
+                <a:solidFill>
+                  <a:schemeClr val="accent2"/>
+                </a:solidFill>
+              </a:rPr>
+              <a:t/>
             </a:r>
             <a:br>
               <a:rPr lang="en-US" spc="-1" dirty="0">
@@ -5271,13 +5288,46 @@
         </p:nvSpPr>
         <p:spPr>
           <a:xfrm>
-            <a:off x="1066980" y="2081877"/>
-            <a:ext cx="10058040" cy="3933384"/>
+            <a:off x="1066980" y="1757030"/>
+            <a:ext cx="10058040" cy="4672048"/>
           </a:xfrm>
         </p:spPr>
         <p:txBody>
           <a:bodyPr/>
           <a:lstStyle/>
+          <a:p>
+            <a:pPr lvl="0" algn="just">
+              <a:lnSpc>
+                <a:spcPct val="150000"/>
+              </a:lnSpc>
+            </a:pPr>
+            <a:endParaRPr lang="es-419" sz="1600" dirty="0" smtClean="0">
+              <a:latin typeface="+mn-lt"/>
+            </a:endParaRPr>
+          </a:p>
+          <a:p>
+            <a:pPr marL="285750" indent="-285750" algn="just">
+              <a:lnSpc>
+                <a:spcPct val="150000"/>
+              </a:lnSpc>
+              <a:buFont typeface="Wingdings" panose="05000000000000000000" pitchFamily="2" charset="2"/>
+              <a:buChar char="Ø"/>
+            </a:pPr>
+            <a:r>
+              <a:rPr lang="es-419" sz="1600" dirty="0"/>
+              <a:t>Creación de diferentes aplicativos que permitan apegarse a las reglas de negocio establecidas para futuras planeaciones.</a:t>
+            </a:r>
+          </a:p>
+          <a:p>
+            <a:pPr lvl="0" algn="just">
+              <a:lnSpc>
+                <a:spcPct val="150000"/>
+              </a:lnSpc>
+            </a:pPr>
+            <a:endParaRPr lang="es-419" sz="1600" dirty="0" smtClean="0">
+              <a:latin typeface="+mn-lt"/>
+            </a:endParaRPr>
+          </a:p>
           <a:p>
             <a:pPr marL="285750" lvl="0" indent="-285750" algn="just">
               <a:lnSpc>
@@ -5287,14 +5337,11 @@
               <a:buChar char="Ø"/>
             </a:pPr>
             <a:r>
-              <a:rPr lang="es-419" sz="1600" dirty="0">
+              <a:rPr lang="es-419" sz="1600" dirty="0" smtClean="0">
                 <a:latin typeface="+mn-lt"/>
               </a:rPr>
-              <a:t>Extender las posibilidades de mejoras del sistema implementado, tomando en cuenta todos las posibles mejoras de las tecnologías implementadas.</a:t>
-            </a:r>
-            <a:endParaRPr lang="es-SV" sz="1600" dirty="0">
-              <a:latin typeface="+mn-lt"/>
-            </a:endParaRPr>
+              <a:t>Generar reportes estadísticos que brinden datos cuantitativos de sus productos o pedidos.</a:t>
+            </a:r>
           </a:p>
           <a:p>
             <a:pPr marL="285750" lvl="0" indent="-285750" algn="just">
@@ -5304,13 +5351,7 @@
               <a:buFont typeface="Wingdings" panose="05000000000000000000" pitchFamily="2" charset="2"/>
               <a:buChar char="Ø"/>
             </a:pPr>
-            <a:r>
-              <a:rPr lang="es-419" sz="1600" dirty="0">
-                <a:latin typeface="+mn-lt"/>
-              </a:rPr>
-              <a:t>Implementar un control de posibles errores para la corrección posterior de estos y que el sistema se mantenga actualizado y con soporte al día.</a:t>
-            </a:r>
-            <a:endParaRPr lang="es-SV" sz="1600" dirty="0">
+            <a:endParaRPr lang="es-419" sz="1600" dirty="0">
               <a:latin typeface="+mn-lt"/>
             </a:endParaRPr>
           </a:p>
@@ -5323,14 +5364,34 @@
               <a:buChar char="Ø"/>
             </a:pPr>
             <a:r>
-              <a:rPr lang="es-419" sz="1600" dirty="0">
+              <a:rPr lang="es-419" sz="1600" dirty="0" smtClean="0">
                 <a:latin typeface="+mn-lt"/>
               </a:rPr>
-              <a:t>Crear una línea de atención para el sistema con el objetivo de brindar soporte. Con esto se pretende que los administradores del sistema internos (empleados) puedan generar reportes de errores relacionados al sistema.</a:t>
-            </a:r>
-            <a:endParaRPr lang="es-SV" sz="1600" dirty="0">
+              <a:t>Dividir los procesos por etapas para su implementación.</a:t>
+            </a:r>
+          </a:p>
+          <a:p>
+            <a:pPr lvl="0" algn="just">
+              <a:lnSpc>
+                <a:spcPct val="150000"/>
+              </a:lnSpc>
+            </a:pPr>
+            <a:endParaRPr lang="es-419" sz="1600" dirty="0">
               <a:latin typeface="+mn-lt"/>
             </a:endParaRPr>
+          </a:p>
+          <a:p>
+            <a:pPr marL="285750" indent="-285750" algn="just">
+              <a:lnSpc>
+                <a:spcPct val="150000"/>
+              </a:lnSpc>
+              <a:buFont typeface="Wingdings" panose="05000000000000000000" pitchFamily="2" charset="2"/>
+              <a:buChar char="Ø"/>
+            </a:pPr>
+            <a:r>
+              <a:rPr lang="es-419" sz="1600" dirty="0"/>
+              <a:t>Implementar procesos de mejora continua.</a:t>
+            </a:r>
           </a:p>
           <a:p>
             <a:pPr marL="285750" lvl="0" indent="-285750" algn="just">
@@ -5340,13 +5401,19 @@
               <a:buFont typeface="Wingdings" panose="05000000000000000000" pitchFamily="2" charset="2"/>
               <a:buChar char="Ø"/>
             </a:pPr>
-            <a:r>
-              <a:rPr lang="es-419" sz="1600" dirty="0">
-                <a:latin typeface="+mn-lt"/>
-              </a:rPr>
-              <a:t>Extender los tiempos establecidos para mejorar y llevar a cabo las correcciones para evitar un desempeño deficiente del sistema.</a:t>
-            </a:r>
-            <a:endParaRPr lang="es-SV" sz="1600" dirty="0">
+            <a:endParaRPr lang="es-419" sz="1600" dirty="0" smtClean="0">
+              <a:latin typeface="+mn-lt"/>
+            </a:endParaRPr>
+          </a:p>
+          <a:p>
+            <a:pPr marL="285750" lvl="0" indent="-285750" algn="just">
+              <a:lnSpc>
+                <a:spcPct val="150000"/>
+              </a:lnSpc>
+              <a:buFont typeface="Wingdings" panose="05000000000000000000" pitchFamily="2" charset="2"/>
+              <a:buChar char="Ø"/>
+            </a:pPr>
+            <a:endParaRPr lang="es-419" sz="1600" dirty="0" smtClean="0">
               <a:latin typeface="+mn-lt"/>
             </a:endParaRPr>
           </a:p>
@@ -5410,7 +5477,7 @@
           </a:bodyPr>
           <a:lstStyle/>
           <a:p>
-            <a:pPr>
+            <a:pPr algn="ctr">
               <a:lnSpc>
                 <a:spcPct val="85000"/>
               </a:lnSpc>
@@ -5646,8 +5713,8 @@
         </p:nvSpPr>
         <p:spPr>
           <a:xfrm>
-            <a:off x="1097280" y="1980954"/>
-            <a:ext cx="10058040" cy="4696670"/>
+            <a:off x="1097280" y="1175657"/>
+            <a:ext cx="4833257" cy="4937760"/>
           </a:xfrm>
         </p:spPr>
         <p:txBody>
@@ -5663,32 +5730,6 @@
             <a:r>
               <a:rPr lang="es-419" sz="1700" dirty="0"/>
               <a:t>El presente de la era tecnológica es una realidad, es por eso que las empresas se ven en el desafío de tener que agilizar procesos, manejar información de manera precisa y rápida, es por eso que se propone desarrollar un sistema el cual utilice las nuevas tendencias para agilizar todo aquello que lleve tiempos innecesarios o procesos difíciles. </a:t>
-            </a:r>
-            <a:endParaRPr lang="es-SV" sz="1700" dirty="0"/>
-          </a:p>
-          <a:p>
-            <a:pPr marL="0" indent="0" algn="just">
-              <a:lnSpc>
-                <a:spcPct val="150000"/>
-              </a:lnSpc>
-              <a:buNone/>
-            </a:pPr>
-            <a:r>
-              <a:rPr lang="es-419" sz="1700" dirty="0"/>
-              <a:t>Es así como se propone construir un sistema el cual lleve a cabo procesos engorrosos los cuales las personas están más que cansados de realizar de manera presencial, la cual a veces se vuelve un poco difícil por la disponibilidad de tiempo de estas. </a:t>
-            </a:r>
-            <a:endParaRPr lang="es-SV" sz="1700" dirty="0"/>
-          </a:p>
-          <a:p>
-            <a:pPr marL="0" indent="0" algn="just">
-              <a:lnSpc>
-                <a:spcPct val="150000"/>
-              </a:lnSpc>
-              <a:buNone/>
-            </a:pPr>
-            <a:r>
-              <a:rPr lang="es-419" sz="1700" dirty="0"/>
-              <a:t>Entonces se puede decir que lo que se pretende realizar es, beneficiar a personas las cuales no disponen de tiempo para que puedan conocer y realizar transacciones de manera virtual y así poder desarrollar sus procesos de manera sencilla y ágil. </a:t>
             </a:r>
             <a:endParaRPr lang="es-SV" sz="1700" dirty="0"/>
           </a:p>
@@ -5715,14 +5756,15 @@
         </p:nvSpPr>
         <p:spPr>
           <a:xfrm>
-            <a:off x="1097280" y="1614310"/>
-            <a:ext cx="10058040" cy="122689"/>
+            <a:off x="1097280" y="1066257"/>
+            <a:ext cx="10058040" cy="1218795"/>
           </a:xfrm>
         </p:spPr>
         <p:txBody>
           <a:bodyPr/>
           <a:lstStyle/>
           <a:p>
+            <a:pPr algn="ctr"/>
             <a:r>
               <a:rPr lang="en-US" spc="-52" dirty="0">
                 <a:solidFill>
@@ -5730,6 +5772,14 @@
                 </a:solidFill>
               </a:rPr>
               <a:t>Justificacion</a:t>
+            </a:r>
+            <a:r>
+              <a:rPr lang="en-US" spc="-1" dirty="0">
+                <a:solidFill>
+                  <a:schemeClr val="accent2"/>
+                </a:solidFill>
+              </a:rPr>
+              <a:t/>
             </a:r>
             <a:br>
               <a:rPr lang="en-US" spc="-1" dirty="0">
@@ -5742,6 +5792,30 @@
           </a:p>
         </p:txBody>
       </p:sp>
+      <p:pic>
+        <p:nvPicPr>
+          <p:cNvPr id="6" name="Picture 5"/>
+          <p:cNvPicPr>
+            <a:picLocks noChangeAspect="1"/>
+          </p:cNvPicPr>
+          <p:nvPr/>
+        </p:nvPicPr>
+        <p:blipFill>
+          <a:blip r:embed="rId2"/>
+          <a:stretch>
+            <a:fillRect/>
+          </a:stretch>
+        </p:blipFill>
+        <p:spPr>
+          <a:xfrm>
+            <a:off x="6917048" y="1877403"/>
+            <a:ext cx="4001058" cy="3534268"/>
+          </a:xfrm>
+          <a:prstGeom prst="rect">
+            <a:avLst/>
+          </a:prstGeom>
+        </p:spPr>
+      </p:pic>
     </p:spTree>
     <p:extLst>
       <p:ext uri="{BB962C8B-B14F-4D97-AF65-F5344CB8AC3E}">
@@ -5790,8 +5864,8 @@
         </p:nvSpPr>
         <p:spPr>
           <a:xfrm>
-            <a:off x="1241776" y="2085115"/>
-            <a:ext cx="9518431" cy="3748719"/>
+            <a:off x="1097280" y="2139970"/>
+            <a:ext cx="10058040" cy="3748719"/>
           </a:xfrm>
         </p:spPr>
         <p:txBody>
@@ -5809,9 +5883,22 @@
               <a:rPr lang="es-419" sz="1700" dirty="0">
                 <a:latin typeface="+mn-lt"/>
               </a:rPr>
-              <a:t>Se pretende que, al finalizar el proyecto, la empresa cuente con módulos los cuales le sirvan a esta para poder desarrollar controles y gestiones más agiles y eficientes a la hora de llevar a cabo gestiones de los productos con los que cuentan.</a:t>
-            </a:r>
-            <a:endParaRPr lang="es-SV" sz="1700" dirty="0">
+              <a:t>Se pretende que, al finalizar el proyecto, la empresa cuente con módulos los cuales le sirvan a esta para poder desarrollar controles y gestiones más agiles y </a:t>
+            </a:r>
+            <a:r>
+              <a:rPr lang="es-419" sz="1700" dirty="0" smtClean="0">
+                <a:latin typeface="+mn-lt"/>
+              </a:rPr>
+              <a:t>eficientes.</a:t>
+            </a:r>
+          </a:p>
+          <a:p>
+            <a:pPr lvl="0" algn="just">
+              <a:lnSpc>
+                <a:spcPct val="150000"/>
+              </a:lnSpc>
+            </a:pPr>
+            <a:endParaRPr lang="es-SV" sz="1700" dirty="0" smtClean="0">
               <a:latin typeface="+mn-lt"/>
             </a:endParaRPr>
           </a:p>
@@ -5824,12 +5911,31 @@
               <a:buChar char="Ø"/>
             </a:pPr>
             <a:r>
-              <a:rPr lang="es-419" sz="1700" dirty="0">
+              <a:rPr lang="es-419" sz="1700" dirty="0" smtClean="0">
                 <a:latin typeface="+mn-lt"/>
               </a:rPr>
-              <a:t>Se realizará una modificación e implementación de una base de datos, la cual se modificará y actualizará para contar con estándares más recientes y poder ayudar a la empresa a mantenerse en competencia con la demanda actual.</a:t>
-            </a:r>
-            <a:endParaRPr lang="es-SV" sz="1700" dirty="0">
+              <a:t>Se realizará una creación e implementación de una base de datos, </a:t>
+            </a:r>
+            <a:r>
+              <a:rPr lang="es-419" sz="1700" dirty="0" smtClean="0">
+                <a:latin typeface="+mn-lt"/>
+              </a:rPr>
+              <a:t>para</a:t>
+            </a:r>
+            <a:r>
+              <a:rPr lang="es-419" sz="1700" dirty="0" smtClean="0">
+                <a:latin typeface="+mn-lt"/>
+              </a:rPr>
+              <a:t> poder ayudar a la empresa a mantenerse en competencia con la demanda actual.</a:t>
+            </a:r>
+          </a:p>
+          <a:p>
+            <a:pPr lvl="0" algn="just">
+              <a:lnSpc>
+                <a:spcPct val="150000"/>
+              </a:lnSpc>
+            </a:pPr>
+            <a:endParaRPr lang="es-SV" sz="1700" dirty="0" smtClean="0">
               <a:latin typeface="+mn-lt"/>
             </a:endParaRPr>
           </a:p>
@@ -5842,10 +5948,16 @@
               <a:buChar char="Ø"/>
             </a:pPr>
             <a:r>
+              <a:rPr lang="es-419" sz="1700" dirty="0" smtClean="0">
+                <a:latin typeface="+mn-lt"/>
+              </a:rPr>
+              <a:t>También </a:t>
+            </a:r>
+            <a:r>
               <a:rPr lang="es-419" sz="1700" dirty="0">
                 <a:latin typeface="+mn-lt"/>
               </a:rPr>
-              <a:t>También se pretende entregar a esta empresa, interfaces con las cuales tanto ellos como los clientes estén en constante comunicación las cuales facilitan la adquisición de productos.</a:t>
+              <a:t>se pretende entregar a esta empresa, interfaces con las cuales tanto ellos como los clientes estén en constante comunicación las cuales facilitan la adquisición de productos.</a:t>
             </a:r>
             <a:endParaRPr lang="es-SV" sz="1700" dirty="0">
               <a:latin typeface="+mn-lt"/>
@@ -5890,7 +6002,7 @@
           </a:bodyPr>
           <a:lstStyle/>
           <a:p>
-            <a:pPr>
+            <a:pPr algn="ctr">
               <a:lnSpc>
                 <a:spcPct val="85000"/>
               </a:lnSpc>
@@ -5968,7 +6080,7 @@
           </a:bodyPr>
           <a:lstStyle/>
           <a:p>
-            <a:pPr>
+            <a:pPr algn="ctr">
               <a:lnSpc>
                 <a:spcPct val="85000"/>
               </a:lnSpc>
@@ -5999,8 +6111,8 @@
         </p:nvSpPr>
         <p:spPr>
           <a:xfrm>
-            <a:off x="1097280" y="2023676"/>
-            <a:ext cx="10058040" cy="2810648"/>
+            <a:off x="5890989" y="2154304"/>
+            <a:ext cx="5264331" cy="3449981"/>
           </a:xfrm>
           <a:prstGeom prst="rect">
             <a:avLst/>
@@ -6022,21 +6134,61 @@
               </a:lnSpc>
             </a:pPr>
             <a:r>
+              <a:rPr lang="es-419" sz="1700" dirty="0" smtClean="0"/>
+              <a:t>La empresa no cuenta </a:t>
+            </a:r>
+            <a:r>
               <a:rPr lang="es-419" sz="1700" dirty="0"/>
-              <a:t>No se cuenta con un sistema de gestión y control que promocione sus servicios, por lo cual se les hace cada vez más difícil competir con empresas que utilizan sistemas o software de control de su inventario y ofrecen sus servicios en línea, se abordara no solo la problemática de crear un sistema que promocione sus artículos y servicios si no que a la misma vez ejecute la </a:t>
-            </a:r>
-            <a:r>
-              <a:rPr lang="es-419" sz="1700" b="1" dirty="0"/>
-              <a:t>interoperabilidad</a:t>
-            </a:r>
-            <a:r>
-              <a:rPr lang="es-419" sz="1700" dirty="0"/>
-              <a:t>, En este sentido nuestro proyecto se basa en darle una solución a su problema de control y gestión de sus productos y brindarles un sistema escalable con potencial para ellos expandirse.</a:t>
-            </a:r>
-            <a:endParaRPr lang="es-SV" sz="1700" dirty="0"/>
-          </a:p>
-        </p:txBody>
-      </p:sp>
+              <a:t>con un sistema de </a:t>
+            </a:r>
+            <a:r>
+              <a:rPr lang="es-419" sz="1700" dirty="0" smtClean="0"/>
+              <a:t>gestión de productos y pedidos con lo cual no pueden tener un control de su inventario, y todo el proceso es ejecutado manualmente. Por lo tanto se manejan gestiones ineficientes de los procesos que la empresa maneja. Los cuales terminan en perdidas en los despachos de productos.</a:t>
+            </a:r>
+          </a:p>
+        </p:txBody>
+      </p:sp>
+      <p:pic>
+        <p:nvPicPr>
+          <p:cNvPr id="2052" name="Picture 4" descr="Procesos ineficientes, menor productividad – Pymempresario"/>
+          <p:cNvPicPr>
+            <a:picLocks noChangeAspect="1" noChangeArrowheads="1"/>
+          </p:cNvPicPr>
+          <p:nvPr/>
+        </p:nvPicPr>
+        <p:blipFill>
+          <a:blip r:embed="rId2">
+            <a:extLst>
+              <a:ext uri="{28A0092B-C50C-407E-A947-70E740481C1C}">
+                <a14:useLocalDpi xmlns:a14="http://schemas.microsoft.com/office/drawing/2010/main" val="0"/>
+              </a:ext>
+            </a:extLst>
+          </a:blip>
+          <a:srcRect/>
+          <a:stretch>
+            <a:fillRect/>
+          </a:stretch>
+        </p:blipFill>
+        <p:spPr bwMode="auto">
+          <a:xfrm>
+            <a:off x="1097280" y="2023676"/>
+            <a:ext cx="4459635" cy="3580609"/>
+          </a:xfrm>
+          <a:prstGeom prst="rect">
+            <a:avLst/>
+          </a:prstGeom>
+          <a:noFill/>
+          <a:extLst>
+            <a:ext uri="{909E8E84-426E-40DD-AFC4-6F175D3DCCD1}">
+              <a14:hiddenFill xmlns:a14="http://schemas.microsoft.com/office/drawing/2010/main">
+                <a:solidFill>
+                  <a:srgbClr val="FFFFFF"/>
+                </a:solidFill>
+              </a14:hiddenFill>
+            </a:ext>
+          </a:extLst>
+        </p:spPr>
+      </p:pic>
     </p:spTree>
   </p:cSld>
   <p:clrMapOvr>
@@ -6114,7 +6266,7 @@
           </a:bodyPr>
           <a:lstStyle/>
           <a:p>
-            <a:pPr>
+            <a:pPr algn="ctr">
               <a:lnSpc>
                 <a:spcPct val="85000"/>
               </a:lnSpc>
@@ -6143,8 +6295,8 @@
         </p:nvSpPr>
         <p:spPr>
           <a:xfrm>
-            <a:off x="1097280" y="1936031"/>
-            <a:ext cx="10058040" cy="4171258"/>
+            <a:off x="1097280" y="1922968"/>
+            <a:ext cx="10058040" cy="3720186"/>
           </a:xfrm>
           <a:prstGeom prst="rect">
             <a:avLst/>
@@ -6156,7 +6308,7 @@
         </p:spPr>
         <p:txBody>
           <a:bodyPr lIns="0" rIns="0">
-            <a:normAutofit fontScale="92500"/>
+            <a:normAutofit/>
           </a:bodyPr>
           <a:lstStyle/>
           <a:p>
@@ -6167,9 +6319,24 @@
             </a:pPr>
             <a:r>
               <a:rPr lang="es-419" dirty="0"/>
-              <a:t>Se propone desarrollar un sistema el cual se vea envuelto en las nuevas tendencias para la solución de los problemas o simplemente agilizar todo aquello que tome tiempos innecesarios o procesos obsoletos. </a:t>
-            </a:r>
-            <a:endParaRPr lang="es-SV" dirty="0"/>
+              <a:t>Se propone desarrollar un sistema el cual se vea envuelto en las nuevas tendencias </a:t>
+            </a:r>
+            <a:r>
+              <a:rPr lang="es-419" dirty="0" smtClean="0"/>
+              <a:t>para agilizar </a:t>
+            </a:r>
+            <a:r>
+              <a:rPr lang="es-419" dirty="0"/>
+              <a:t>todo aquello que tome tiempos </a:t>
+            </a:r>
+            <a:r>
+              <a:rPr lang="es-419" dirty="0" smtClean="0"/>
+              <a:t>innecesarios como lo es la gestión de los pedidos. </a:t>
+            </a:r>
+            <a:r>
+              <a:rPr lang="es-419" dirty="0" smtClean="0"/>
+              <a:t>Con lo cual a través de un sistema de información alojado en la web el cliente pueda realizar las transacciones de pedidos. </a:t>
+            </a:r>
           </a:p>
           <a:p>
             <a:pPr algn="just">
@@ -6177,11 +6344,7 @@
                 <a:spcPct val="150000"/>
               </a:lnSpc>
             </a:pPr>
-            <a:r>
-              <a:rPr lang="es-419" dirty="0"/>
-              <a:t>Teniendo en cuenta lo anterior se puede decir que la tecnología es algo necesario que se necesita para resolver muchos de los problemas que surgen. </a:t>
-            </a:r>
-            <a:endParaRPr lang="es-SV" dirty="0"/>
+            <a:endParaRPr lang="es-419" dirty="0" smtClean="0"/>
           </a:p>
           <a:p>
             <a:pPr algn="just">
@@ -6191,19 +6354,11 @@
             </a:pPr>
             <a:r>
               <a:rPr lang="es-419" dirty="0"/>
-              <a:t>Es así como se propone construir un sistema el cual lleve a las personas que están más que cansadas de realizar de manera presencial, la cual a veces se vuelve un poco difícil por la disponibilidad de tiempo para realizar estas. </a:t>
-            </a:r>
-            <a:endParaRPr lang="es-SV" dirty="0"/>
-          </a:p>
-          <a:p>
-            <a:pPr algn="just">
-              <a:lnSpc>
-                <a:spcPct val="150000"/>
-              </a:lnSpc>
-            </a:pPr>
-            <a:r>
-              <a:rPr lang="es-419" dirty="0"/>
-              <a:t>Entonces se puede decir que lo que se pretende realizar es, beneficiar a todas aquellas personas las cuales no disponen de ese tiempo para que puedan conocer y realizar transacciones de manera virtual para así poder desarrollar sus procesos sin contratiempos ni procesos que llevan demasiado trabajo. </a:t>
+              <a:t>Se pretende </a:t>
+            </a:r>
+            <a:r>
+              <a:rPr lang="es-419" dirty="0" smtClean="0"/>
+              <a:t>implementar un sistema interoperable con el cual las reglas de negocio se definan en una capa independiente. Y así tener procesos flexibles y escalables.</a:t>
             </a:r>
             <a:endParaRPr lang="es-SV" dirty="0"/>
           </a:p>
@@ -6286,7 +6441,7 @@
           </a:bodyPr>
           <a:lstStyle/>
           <a:p>
-            <a:pPr>
+            <a:pPr algn="ctr">
               <a:lnSpc>
                 <a:spcPct val="85000"/>
               </a:lnSpc>
@@ -6409,6 +6564,7 @@
           <a:bodyPr/>
           <a:lstStyle/>
           <a:p>
+            <a:pPr algn="ctr"/>
             <a:r>
               <a:rPr lang="es-ES" sz="4800" dirty="0">
                 <a:solidFill>
@@ -6511,7 +6667,7 @@
           </a:bodyPr>
           <a:lstStyle/>
           <a:p>
-            <a:pPr>
+            <a:pPr algn="ctr">
               <a:lnSpc>
                 <a:spcPct val="85000"/>
               </a:lnSpc>
@@ -6540,8 +6696,8 @@
         </p:nvSpPr>
         <p:spPr>
           <a:xfrm>
-            <a:off x="1097280" y="1737000"/>
-            <a:ext cx="10058040" cy="4392868"/>
+            <a:off x="1097280" y="2207263"/>
+            <a:ext cx="10058040" cy="3540394"/>
           </a:xfrm>
           <a:prstGeom prst="rect">
             <a:avLst/>
@@ -6565,10 +6721,18 @@
               <a:buChar char="Ø"/>
             </a:pPr>
             <a:r>
-              <a:rPr lang="es-419" sz="1700" dirty="0"/>
-              <a:t>Los sistemas de información son una necesidad a la que nos enfrentamos debido a los cambios de las tecnologías.</a:t>
-            </a:r>
-            <a:endParaRPr lang="es-SV" sz="1700" dirty="0"/>
+              <a:rPr lang="es-419" sz="1700" dirty="0" smtClean="0"/>
+              <a:t>Hacer uso de las tecnologías para poder manejar procesos mas eficientes.</a:t>
+            </a:r>
+            <a:endParaRPr lang="es-419" sz="1700" dirty="0" smtClean="0"/>
+          </a:p>
+          <a:p>
+            <a:pPr lvl="0" algn="just">
+              <a:lnSpc>
+                <a:spcPct val="150000"/>
+              </a:lnSpc>
+            </a:pPr>
+            <a:endParaRPr lang="es-419" sz="1700" dirty="0"/>
           </a:p>
           <a:p>
             <a:pPr marL="285750" lvl="0" indent="-285750" algn="just">
@@ -6580,9 +6744,28 @@
             </a:pPr>
             <a:r>
               <a:rPr lang="es-419" sz="1700" dirty="0"/>
-              <a:t>Las soluciones tecnológicas se deben adquirir por las necesidades de las empresas que hoy en día velan por dominar el mercado empresarial.</a:t>
-            </a:r>
-            <a:endParaRPr lang="es-SV" sz="1700" dirty="0"/>
+              <a:t>Tener una base de datos capaz de </a:t>
+            </a:r>
+            <a:r>
+              <a:rPr lang="es-419" sz="1700" dirty="0" smtClean="0"/>
+              <a:t>almacenar y </a:t>
+            </a:r>
+            <a:r>
+              <a:rPr lang="es-419" sz="1700" dirty="0"/>
+              <a:t>gestionar </a:t>
+            </a:r>
+            <a:r>
+              <a:rPr lang="es-419" sz="1700" dirty="0" smtClean="0"/>
+              <a:t>información del negocio, </a:t>
+            </a:r>
+            <a:r>
+              <a:rPr lang="es-419" sz="1700" dirty="0"/>
+              <a:t>para </a:t>
+            </a:r>
+            <a:r>
+              <a:rPr lang="es-419" sz="1700" dirty="0" smtClean="0"/>
+              <a:t>tener un mejor control de sus datos.</a:t>
+            </a:r>
           </a:p>
           <a:p>
             <a:pPr marL="285750" lvl="0" indent="-285750" algn="just">
@@ -6592,10 +6775,7 @@
               <a:buFont typeface="Wingdings" panose="05000000000000000000" pitchFamily="2" charset="2"/>
               <a:buChar char="Ø"/>
             </a:pPr>
-            <a:r>
-              <a:rPr lang="es-419" sz="1700" dirty="0"/>
-              <a:t>Poseer un sistema no acorde con las necesidades actuales, hace a las empresas limitar sus posibilidades, ya que las empresas han venido realizando innovaciones y mejorado sus servicios.</a:t>
-            </a:r>
+            <a:endParaRPr lang="es-419" sz="1700" dirty="0"/>
           </a:p>
           <a:p>
             <a:pPr marL="285750" lvl="0" indent="-285750" algn="just">
@@ -6606,23 +6786,17 @@
               <a:buChar char="Ø"/>
             </a:pPr>
             <a:r>
-              <a:rPr lang="es-419" sz="1700" dirty="0"/>
-              <a:t>Tener una base de datos capaz de almacenar, manejar y gestionar información, para así poder dar a sus clientes la mejor de las experiencias posibles.</a:t>
-            </a:r>
-            <a:endParaRPr lang="es-SV" sz="1700" dirty="0"/>
-          </a:p>
-          <a:p>
-            <a:pPr marL="285750" lvl="0" indent="-285750" algn="just">
+              <a:rPr lang="es-419" sz="1700" dirty="0" smtClean="0"/>
+              <a:t>Hacer uso de la interoperabilidad en el sistema para el intercambio de datos de manera independiente de las plataformas.</a:t>
+            </a:r>
+            <a:endParaRPr lang="es-419" sz="1700" dirty="0" smtClean="0"/>
+          </a:p>
+          <a:p>
+            <a:pPr lvl="0" algn="just">
               <a:lnSpc>
                 <a:spcPct val="150000"/>
               </a:lnSpc>
-              <a:buFont typeface="Wingdings" panose="05000000000000000000" pitchFamily="2" charset="2"/>
-              <a:buChar char="Ø"/>
             </a:pPr>
-            <a:r>
-              <a:rPr lang="es-419" sz="1700" dirty="0"/>
-              <a:t>El sistema de bases de datos de ORACLE es actualmente uno de los mejores gestores de datos en el mercado.</a:t>
-            </a:r>
             <a:endParaRPr lang="es-SV" sz="1700" dirty="0"/>
           </a:p>
         </p:txBody>
